--- a/finance/budgeting.pptx
+++ b/finance/budgeting.pptx
@@ -1380,6 +1380,159 @@
     </pc:docChg>
   </pc:docChgLst>
   <pc:docChgLst>
+    <pc:chgData name="Mannix, Josh" userId="67577199-83d9-4857-9803-9b1b12014488" providerId="ADAL" clId="{8E966735-FEF3-A441-858E-225347157258}"/>
+    <pc:docChg chg="custSel addSld delSld modSld">
+      <pc:chgData name="Mannix, Josh" userId="67577199-83d9-4857-9803-9b1b12014488" providerId="ADAL" clId="{8E966735-FEF3-A441-858E-225347157258}" dt="2023-01-11T18:45:41.757" v="408" actId="478"/>
+      <pc:docMkLst>
+        <pc:docMk/>
+      </pc:docMkLst>
+      <pc:sldChg chg="modSp mod">
+        <pc:chgData name="Mannix, Josh" userId="67577199-83d9-4857-9803-9b1b12014488" providerId="ADAL" clId="{8E966735-FEF3-A441-858E-225347157258}" dt="2023-01-09T20:10:04.325" v="45" actId="20577"/>
+        <pc:sldMkLst>
+          <pc:docMk/>
+          <pc:sldMk cId="0" sldId="256"/>
+        </pc:sldMkLst>
+        <pc:spChg chg="mod">
+          <ac:chgData name="Mannix, Josh" userId="67577199-83d9-4857-9803-9b1b12014488" providerId="ADAL" clId="{8E966735-FEF3-A441-858E-225347157258}" dt="2023-01-09T20:09:56.155" v="33" actId="20577"/>
+          <ac:spMkLst>
+            <pc:docMk/>
+            <pc:sldMk cId="0" sldId="256"/>
+            <ac:spMk id="184" creationId="{00000000-0000-0000-0000-000000000000}"/>
+          </ac:spMkLst>
+        </pc:spChg>
+        <pc:spChg chg="mod">
+          <ac:chgData name="Mannix, Josh" userId="67577199-83d9-4857-9803-9b1b12014488" providerId="ADAL" clId="{8E966735-FEF3-A441-858E-225347157258}" dt="2023-01-09T20:10:04.325" v="45" actId="20577"/>
+          <ac:spMkLst>
+            <pc:docMk/>
+            <pc:sldMk cId="0" sldId="256"/>
+            <ac:spMk id="185" creationId="{00000000-0000-0000-0000-000000000000}"/>
+          </ac:spMkLst>
+        </pc:spChg>
+      </pc:sldChg>
+      <pc:sldChg chg="modSp mod">
+        <pc:chgData name="Mannix, Josh" userId="67577199-83d9-4857-9803-9b1b12014488" providerId="ADAL" clId="{8E966735-FEF3-A441-858E-225347157258}" dt="2023-01-09T20:10:14.338" v="66" actId="20577"/>
+        <pc:sldMkLst>
+          <pc:docMk/>
+          <pc:sldMk cId="0" sldId="257"/>
+        </pc:sldMkLst>
+        <pc:spChg chg="mod">
+          <ac:chgData name="Mannix, Josh" userId="67577199-83d9-4857-9803-9b1b12014488" providerId="ADAL" clId="{8E966735-FEF3-A441-858E-225347157258}" dt="2023-01-09T20:10:14.338" v="66" actId="20577"/>
+          <ac:spMkLst>
+            <pc:docMk/>
+            <pc:sldMk cId="0" sldId="257"/>
+            <ac:spMk id="193" creationId="{00000000-0000-0000-0000-000000000000}"/>
+          </ac:spMkLst>
+        </pc:spChg>
+      </pc:sldChg>
+      <pc:sldChg chg="modSp mod">
+        <pc:chgData name="Mannix, Josh" userId="67577199-83d9-4857-9803-9b1b12014488" providerId="ADAL" clId="{8E966735-FEF3-A441-858E-225347157258}" dt="2023-01-09T20:10:37.134" v="93" actId="1076"/>
+        <pc:sldMkLst>
+          <pc:docMk/>
+          <pc:sldMk cId="0" sldId="258"/>
+        </pc:sldMkLst>
+        <pc:spChg chg="mod">
+          <ac:chgData name="Mannix, Josh" userId="67577199-83d9-4857-9803-9b1b12014488" providerId="ADAL" clId="{8E966735-FEF3-A441-858E-225347157258}" dt="2023-01-09T20:10:37.134" v="93" actId="1076"/>
+          <ac:spMkLst>
+            <pc:docMk/>
+            <pc:sldMk cId="0" sldId="258"/>
+            <ac:spMk id="216" creationId="{00000000-0000-0000-0000-000000000000}"/>
+          </ac:spMkLst>
+        </pc:spChg>
+      </pc:sldChg>
+      <pc:sldChg chg="del">
+        <pc:chgData name="Mannix, Josh" userId="67577199-83d9-4857-9803-9b1b12014488" providerId="ADAL" clId="{8E966735-FEF3-A441-858E-225347157258}" dt="2023-01-09T20:10:40.816" v="94" actId="2696"/>
+        <pc:sldMkLst>
+          <pc:docMk/>
+          <pc:sldMk cId="0" sldId="259"/>
+        </pc:sldMkLst>
+      </pc:sldChg>
+      <pc:sldChg chg="addSp delSp modSp mod">
+        <pc:chgData name="Mannix, Josh" userId="67577199-83d9-4857-9803-9b1b12014488" providerId="ADAL" clId="{8E966735-FEF3-A441-858E-225347157258}" dt="2023-01-09T20:18:10.898" v="393" actId="1076"/>
+        <pc:sldMkLst>
+          <pc:docMk/>
+          <pc:sldMk cId="2109807637" sldId="308"/>
+        </pc:sldMkLst>
+        <pc:spChg chg="mod">
+          <ac:chgData name="Mannix, Josh" userId="67577199-83d9-4857-9803-9b1b12014488" providerId="ADAL" clId="{8E966735-FEF3-A441-858E-225347157258}" dt="2023-01-09T20:15:51.305" v="254" actId="20577"/>
+          <ac:spMkLst>
+            <pc:docMk/>
+            <pc:sldMk cId="2109807637" sldId="308"/>
+            <ac:spMk id="2" creationId="{0986599C-079B-FE46-B154-C62755C39F88}"/>
+          </ac:spMkLst>
+        </pc:spChg>
+        <pc:spChg chg="mod">
+          <ac:chgData name="Mannix, Josh" userId="67577199-83d9-4857-9803-9b1b12014488" providerId="ADAL" clId="{8E966735-FEF3-A441-858E-225347157258}" dt="2023-01-09T20:18:10.898" v="393" actId="1076"/>
+          <ac:spMkLst>
+            <pc:docMk/>
+            <pc:sldMk cId="2109807637" sldId="308"/>
+            <ac:spMk id="3" creationId="{268D834C-B585-BA44-8441-48AAC0366738}"/>
+          </ac:spMkLst>
+        </pc:spChg>
+        <pc:picChg chg="del">
+          <ac:chgData name="Mannix, Josh" userId="67577199-83d9-4857-9803-9b1b12014488" providerId="ADAL" clId="{8E966735-FEF3-A441-858E-225347157258}" dt="2023-01-09T20:10:51.836" v="106" actId="478"/>
+          <ac:picMkLst>
+            <pc:docMk/>
+            <pc:sldMk cId="2109807637" sldId="308"/>
+            <ac:picMk id="16" creationId="{9DF45670-9FE7-BD4E-833C-D1ABAE4D71EF}"/>
+          </ac:picMkLst>
+        </pc:picChg>
+        <pc:picChg chg="add del mod modCrop">
+          <ac:chgData name="Mannix, Josh" userId="67577199-83d9-4857-9803-9b1b12014488" providerId="ADAL" clId="{8E966735-FEF3-A441-858E-225347157258}" dt="2023-01-09T20:17:11.125" v="321" actId="478"/>
+          <ac:picMkLst>
+            <pc:docMk/>
+            <pc:sldMk cId="2109807637" sldId="308"/>
+            <ac:picMk id="17" creationId="{BAB8425A-0007-D464-6E4A-8EDE284B170C}"/>
+          </ac:picMkLst>
+        </pc:picChg>
+        <pc:picChg chg="add mod">
+          <ac:chgData name="Mannix, Josh" userId="67577199-83d9-4857-9803-9b1b12014488" providerId="ADAL" clId="{8E966735-FEF3-A441-858E-225347157258}" dt="2023-01-09T20:17:24.365" v="325" actId="1076"/>
+          <ac:picMkLst>
+            <pc:docMk/>
+            <pc:sldMk cId="2109807637" sldId="308"/>
+            <ac:picMk id="18" creationId="{62689719-FE1F-9B36-A5E9-ED9974F2221A}"/>
+          </ac:picMkLst>
+        </pc:picChg>
+        <pc:picChg chg="add del mod">
+          <ac:chgData name="Mannix, Josh" userId="67577199-83d9-4857-9803-9b1b12014488" providerId="ADAL" clId="{8E966735-FEF3-A441-858E-225347157258}" dt="2023-01-09T20:15:53.668" v="255" actId="478"/>
+          <ac:picMkLst>
+            <pc:docMk/>
+            <pc:sldMk cId="2109807637" sldId="308"/>
+            <ac:picMk id="1026" creationId="{90B3DA81-710E-4A8E-9063-0679341F8796}"/>
+          </ac:picMkLst>
+        </pc:picChg>
+      </pc:sldChg>
+      <pc:sldChg chg="add">
+        <pc:chgData name="Mannix, Josh" userId="67577199-83d9-4857-9803-9b1b12014488" providerId="ADAL" clId="{8E966735-FEF3-A441-858E-225347157258}" dt="2023-01-09T20:15:46.965" v="242"/>
+        <pc:sldMkLst>
+          <pc:docMk/>
+          <pc:sldMk cId="2327765963" sldId="314"/>
+        </pc:sldMkLst>
+      </pc:sldChg>
+      <pc:sldChg chg="modAnim">
+        <pc:chgData name="Mannix, Josh" userId="67577199-83d9-4857-9803-9b1b12014488" providerId="ADAL" clId="{8E966735-FEF3-A441-858E-225347157258}" dt="2023-01-11T17:42:07.282" v="406"/>
+        <pc:sldMkLst>
+          <pc:docMk/>
+          <pc:sldMk cId="1725268783" sldId="315"/>
+        </pc:sldMkLst>
+      </pc:sldChg>
+      <pc:sldChg chg="delSp modSp mod">
+        <pc:chgData name="Mannix, Josh" userId="67577199-83d9-4857-9803-9b1b12014488" providerId="ADAL" clId="{8E966735-FEF3-A441-858E-225347157258}" dt="2023-01-11T18:45:41.757" v="408" actId="478"/>
+        <pc:sldMkLst>
+          <pc:docMk/>
+          <pc:sldMk cId="1837633903" sldId="318"/>
+        </pc:sldMkLst>
+        <pc:spChg chg="del mod">
+          <ac:chgData name="Mannix, Josh" userId="67577199-83d9-4857-9803-9b1b12014488" providerId="ADAL" clId="{8E966735-FEF3-A441-858E-225347157258}" dt="2023-01-11T18:45:41.757" v="408" actId="478"/>
+          <ac:spMkLst>
+            <pc:docMk/>
+            <pc:sldMk cId="1837633903" sldId="318"/>
+            <ac:spMk id="8" creationId="{52CFAD41-934F-A54E-B26B-221CB6C3A93A}"/>
+          </ac:spMkLst>
+        </pc:spChg>
+      </pc:sldChg>
+    </pc:docChg>
+  </pc:docChgLst>
+  <pc:docChgLst>
     <pc:chgData name="Josh Mannix" userId="67577199-83d9-4857-9803-9b1b12014488" providerId="ADAL" clId="{81669D67-2DF3-B64D-AC02-A5F3B93D15C2}"/>
     <pc:docChg chg="undo custSel addSld delSld modSld">
       <pc:chgData name="Josh Mannix" userId="67577199-83d9-4857-9803-9b1b12014488" providerId="ADAL" clId="{81669D67-2DF3-B64D-AC02-A5F3B93D15C2}" dt="2023-01-24T22:18:36.499" v="2387" actId="20577"/>
@@ -2033,159 +2186,6 @@
             <ac:grpSpMk id="17" creationId="{F90C8981-1B2D-D840-90ED-8AD1B2F05569}"/>
           </ac:grpSpMkLst>
         </pc:grpChg>
-      </pc:sldChg>
-    </pc:docChg>
-  </pc:docChgLst>
-  <pc:docChgLst>
-    <pc:chgData name="Mannix, Josh" userId="67577199-83d9-4857-9803-9b1b12014488" providerId="ADAL" clId="{8E966735-FEF3-A441-858E-225347157258}"/>
-    <pc:docChg chg="custSel addSld delSld modSld">
-      <pc:chgData name="Mannix, Josh" userId="67577199-83d9-4857-9803-9b1b12014488" providerId="ADAL" clId="{8E966735-FEF3-A441-858E-225347157258}" dt="2023-01-11T18:45:41.757" v="408" actId="478"/>
-      <pc:docMkLst>
-        <pc:docMk/>
-      </pc:docMkLst>
-      <pc:sldChg chg="modSp mod">
-        <pc:chgData name="Mannix, Josh" userId="67577199-83d9-4857-9803-9b1b12014488" providerId="ADAL" clId="{8E966735-FEF3-A441-858E-225347157258}" dt="2023-01-09T20:10:04.325" v="45" actId="20577"/>
-        <pc:sldMkLst>
-          <pc:docMk/>
-          <pc:sldMk cId="0" sldId="256"/>
-        </pc:sldMkLst>
-        <pc:spChg chg="mod">
-          <ac:chgData name="Mannix, Josh" userId="67577199-83d9-4857-9803-9b1b12014488" providerId="ADAL" clId="{8E966735-FEF3-A441-858E-225347157258}" dt="2023-01-09T20:09:56.155" v="33" actId="20577"/>
-          <ac:spMkLst>
-            <pc:docMk/>
-            <pc:sldMk cId="0" sldId="256"/>
-            <ac:spMk id="184" creationId="{00000000-0000-0000-0000-000000000000}"/>
-          </ac:spMkLst>
-        </pc:spChg>
-        <pc:spChg chg="mod">
-          <ac:chgData name="Mannix, Josh" userId="67577199-83d9-4857-9803-9b1b12014488" providerId="ADAL" clId="{8E966735-FEF3-A441-858E-225347157258}" dt="2023-01-09T20:10:04.325" v="45" actId="20577"/>
-          <ac:spMkLst>
-            <pc:docMk/>
-            <pc:sldMk cId="0" sldId="256"/>
-            <ac:spMk id="185" creationId="{00000000-0000-0000-0000-000000000000}"/>
-          </ac:spMkLst>
-        </pc:spChg>
-      </pc:sldChg>
-      <pc:sldChg chg="modSp mod">
-        <pc:chgData name="Mannix, Josh" userId="67577199-83d9-4857-9803-9b1b12014488" providerId="ADAL" clId="{8E966735-FEF3-A441-858E-225347157258}" dt="2023-01-09T20:10:14.338" v="66" actId="20577"/>
-        <pc:sldMkLst>
-          <pc:docMk/>
-          <pc:sldMk cId="0" sldId="257"/>
-        </pc:sldMkLst>
-        <pc:spChg chg="mod">
-          <ac:chgData name="Mannix, Josh" userId="67577199-83d9-4857-9803-9b1b12014488" providerId="ADAL" clId="{8E966735-FEF3-A441-858E-225347157258}" dt="2023-01-09T20:10:14.338" v="66" actId="20577"/>
-          <ac:spMkLst>
-            <pc:docMk/>
-            <pc:sldMk cId="0" sldId="257"/>
-            <ac:spMk id="193" creationId="{00000000-0000-0000-0000-000000000000}"/>
-          </ac:spMkLst>
-        </pc:spChg>
-      </pc:sldChg>
-      <pc:sldChg chg="modSp mod">
-        <pc:chgData name="Mannix, Josh" userId="67577199-83d9-4857-9803-9b1b12014488" providerId="ADAL" clId="{8E966735-FEF3-A441-858E-225347157258}" dt="2023-01-09T20:10:37.134" v="93" actId="1076"/>
-        <pc:sldMkLst>
-          <pc:docMk/>
-          <pc:sldMk cId="0" sldId="258"/>
-        </pc:sldMkLst>
-        <pc:spChg chg="mod">
-          <ac:chgData name="Mannix, Josh" userId="67577199-83d9-4857-9803-9b1b12014488" providerId="ADAL" clId="{8E966735-FEF3-A441-858E-225347157258}" dt="2023-01-09T20:10:37.134" v="93" actId="1076"/>
-          <ac:spMkLst>
-            <pc:docMk/>
-            <pc:sldMk cId="0" sldId="258"/>
-            <ac:spMk id="216" creationId="{00000000-0000-0000-0000-000000000000}"/>
-          </ac:spMkLst>
-        </pc:spChg>
-      </pc:sldChg>
-      <pc:sldChg chg="del">
-        <pc:chgData name="Mannix, Josh" userId="67577199-83d9-4857-9803-9b1b12014488" providerId="ADAL" clId="{8E966735-FEF3-A441-858E-225347157258}" dt="2023-01-09T20:10:40.816" v="94" actId="2696"/>
-        <pc:sldMkLst>
-          <pc:docMk/>
-          <pc:sldMk cId="0" sldId="259"/>
-        </pc:sldMkLst>
-      </pc:sldChg>
-      <pc:sldChg chg="addSp delSp modSp mod">
-        <pc:chgData name="Mannix, Josh" userId="67577199-83d9-4857-9803-9b1b12014488" providerId="ADAL" clId="{8E966735-FEF3-A441-858E-225347157258}" dt="2023-01-09T20:18:10.898" v="393" actId="1076"/>
-        <pc:sldMkLst>
-          <pc:docMk/>
-          <pc:sldMk cId="2109807637" sldId="308"/>
-        </pc:sldMkLst>
-        <pc:spChg chg="mod">
-          <ac:chgData name="Mannix, Josh" userId="67577199-83d9-4857-9803-9b1b12014488" providerId="ADAL" clId="{8E966735-FEF3-A441-858E-225347157258}" dt="2023-01-09T20:15:51.305" v="254" actId="20577"/>
-          <ac:spMkLst>
-            <pc:docMk/>
-            <pc:sldMk cId="2109807637" sldId="308"/>
-            <ac:spMk id="2" creationId="{0986599C-079B-FE46-B154-C62755C39F88}"/>
-          </ac:spMkLst>
-        </pc:spChg>
-        <pc:spChg chg="mod">
-          <ac:chgData name="Mannix, Josh" userId="67577199-83d9-4857-9803-9b1b12014488" providerId="ADAL" clId="{8E966735-FEF3-A441-858E-225347157258}" dt="2023-01-09T20:18:10.898" v="393" actId="1076"/>
-          <ac:spMkLst>
-            <pc:docMk/>
-            <pc:sldMk cId="2109807637" sldId="308"/>
-            <ac:spMk id="3" creationId="{268D834C-B585-BA44-8441-48AAC0366738}"/>
-          </ac:spMkLst>
-        </pc:spChg>
-        <pc:picChg chg="del">
-          <ac:chgData name="Mannix, Josh" userId="67577199-83d9-4857-9803-9b1b12014488" providerId="ADAL" clId="{8E966735-FEF3-A441-858E-225347157258}" dt="2023-01-09T20:10:51.836" v="106" actId="478"/>
-          <ac:picMkLst>
-            <pc:docMk/>
-            <pc:sldMk cId="2109807637" sldId="308"/>
-            <ac:picMk id="16" creationId="{9DF45670-9FE7-BD4E-833C-D1ABAE4D71EF}"/>
-          </ac:picMkLst>
-        </pc:picChg>
-        <pc:picChg chg="add del mod modCrop">
-          <ac:chgData name="Mannix, Josh" userId="67577199-83d9-4857-9803-9b1b12014488" providerId="ADAL" clId="{8E966735-FEF3-A441-858E-225347157258}" dt="2023-01-09T20:17:11.125" v="321" actId="478"/>
-          <ac:picMkLst>
-            <pc:docMk/>
-            <pc:sldMk cId="2109807637" sldId="308"/>
-            <ac:picMk id="17" creationId="{BAB8425A-0007-D464-6E4A-8EDE284B170C}"/>
-          </ac:picMkLst>
-        </pc:picChg>
-        <pc:picChg chg="add mod">
-          <ac:chgData name="Mannix, Josh" userId="67577199-83d9-4857-9803-9b1b12014488" providerId="ADAL" clId="{8E966735-FEF3-A441-858E-225347157258}" dt="2023-01-09T20:17:24.365" v="325" actId="1076"/>
-          <ac:picMkLst>
-            <pc:docMk/>
-            <pc:sldMk cId="2109807637" sldId="308"/>
-            <ac:picMk id="18" creationId="{62689719-FE1F-9B36-A5E9-ED9974F2221A}"/>
-          </ac:picMkLst>
-        </pc:picChg>
-        <pc:picChg chg="add del mod">
-          <ac:chgData name="Mannix, Josh" userId="67577199-83d9-4857-9803-9b1b12014488" providerId="ADAL" clId="{8E966735-FEF3-A441-858E-225347157258}" dt="2023-01-09T20:15:53.668" v="255" actId="478"/>
-          <ac:picMkLst>
-            <pc:docMk/>
-            <pc:sldMk cId="2109807637" sldId="308"/>
-            <ac:picMk id="1026" creationId="{90B3DA81-710E-4A8E-9063-0679341F8796}"/>
-          </ac:picMkLst>
-        </pc:picChg>
-      </pc:sldChg>
-      <pc:sldChg chg="add">
-        <pc:chgData name="Mannix, Josh" userId="67577199-83d9-4857-9803-9b1b12014488" providerId="ADAL" clId="{8E966735-FEF3-A441-858E-225347157258}" dt="2023-01-09T20:15:46.965" v="242"/>
-        <pc:sldMkLst>
-          <pc:docMk/>
-          <pc:sldMk cId="2327765963" sldId="314"/>
-        </pc:sldMkLst>
-      </pc:sldChg>
-      <pc:sldChg chg="modAnim">
-        <pc:chgData name="Mannix, Josh" userId="67577199-83d9-4857-9803-9b1b12014488" providerId="ADAL" clId="{8E966735-FEF3-A441-858E-225347157258}" dt="2023-01-11T17:42:07.282" v="406"/>
-        <pc:sldMkLst>
-          <pc:docMk/>
-          <pc:sldMk cId="1725268783" sldId="315"/>
-        </pc:sldMkLst>
-      </pc:sldChg>
-      <pc:sldChg chg="delSp modSp mod">
-        <pc:chgData name="Mannix, Josh" userId="67577199-83d9-4857-9803-9b1b12014488" providerId="ADAL" clId="{8E966735-FEF3-A441-858E-225347157258}" dt="2023-01-11T18:45:41.757" v="408" actId="478"/>
-        <pc:sldMkLst>
-          <pc:docMk/>
-          <pc:sldMk cId="1837633903" sldId="318"/>
-        </pc:sldMkLst>
-        <pc:spChg chg="del mod">
-          <ac:chgData name="Mannix, Josh" userId="67577199-83d9-4857-9803-9b1b12014488" providerId="ADAL" clId="{8E966735-FEF3-A441-858E-225347157258}" dt="2023-01-11T18:45:41.757" v="408" actId="478"/>
-          <ac:spMkLst>
-            <pc:docMk/>
-            <pc:sldMk cId="1837633903" sldId="318"/>
-            <ac:spMk id="8" creationId="{52CFAD41-934F-A54E-B26B-221CB6C3A93A}"/>
-          </ac:spMkLst>
-        </pc:spChg>
       </pc:sldChg>
     </pc:docChg>
   </pc:docChgLst>
@@ -13158,8 +13158,8 @@
           </p:txBody>
         </p:sp>
       </p:grpSp>
-      <mc:AlternateContent xmlns:mc="http://schemas.openxmlformats.org/markup-compatibility/2006">
-        <mc:Choice xmlns:a14="http://schemas.microsoft.com/office/drawing/2010/main" Requires="a14">
+      <mc:AlternateContent xmlns:mc="http://schemas.openxmlformats.org/markup-compatibility/2006" xmlns:a14="http://schemas.microsoft.com/office/drawing/2010/main">
+        <mc:Choice Requires="a14">
           <p:sp>
             <p:nvSpPr>
               <p:cNvPr id="5" name="TextBox 4">
@@ -13260,7 +13260,7 @@
             </p:txBody>
           </p:sp>
         </mc:Choice>
-        <mc:Fallback>
+        <mc:Fallback xmlns="">
           <p:sp>
             <p:nvSpPr>
               <p:cNvPr id="5" name="TextBox 4">
@@ -13305,8 +13305,8 @@
           </p:sp>
         </mc:Fallback>
       </mc:AlternateContent>
-      <mc:AlternateContent xmlns:mc="http://schemas.openxmlformats.org/markup-compatibility/2006">
-        <mc:Choice xmlns:a14="http://schemas.microsoft.com/office/drawing/2010/main" Requires="a14">
+      <mc:AlternateContent xmlns:mc="http://schemas.openxmlformats.org/markup-compatibility/2006" xmlns:a14="http://schemas.microsoft.com/office/drawing/2010/main">
+        <mc:Choice Requires="a14">
           <p:sp>
             <p:nvSpPr>
               <p:cNvPr id="7" name="TextBox 6">
@@ -13369,7 +13369,7 @@
             </p:txBody>
           </p:sp>
         </mc:Choice>
-        <mc:Fallback>
+        <mc:Fallback xmlns="">
           <p:sp>
             <p:nvSpPr>
               <p:cNvPr id="7" name="TextBox 6">
@@ -13455,19 +13455,13 @@
                         <a:rPr lang="en-US" b="0" i="1" dirty="0" smtClean="0">
                           <a:latin typeface="Cambria Math" panose="02040503050406030204" pitchFamily="18" charset="0"/>
                         </a:rPr>
-                        <m:t>=$198</m:t>
+                        <m:t>=$199</m:t>
                       </m:r>
                       <m:r>
                         <a:rPr lang="en-US" b="0" i="1" dirty="0" smtClean="0">
                           <a:latin typeface="Cambria Math" panose="02040503050406030204" pitchFamily="18" charset="0"/>
                         </a:rPr>
-                        <m:t>.</m:t>
-                      </m:r>
-                      <m:r>
-                        <a:rPr lang="en-US" b="0" i="1" dirty="0" smtClean="0">
-                          <a:latin typeface="Cambria Math" panose="02040503050406030204" pitchFamily="18" charset="0"/>
-                        </a:rPr>
-                        <m:t>68</m:t>
+                        <m:t>.68</m:t>
                       </m:r>
                     </m:oMath>
                   </m:oMathPara>
@@ -21876,8 +21870,8 @@
           </p:txBody>
         </p:sp>
       </p:grpSp>
-      <mc:AlternateContent xmlns:mc="http://schemas.openxmlformats.org/markup-compatibility/2006">
-        <mc:Choice xmlns:a14="http://schemas.microsoft.com/office/drawing/2010/main" Requires="a14">
+      <mc:AlternateContent xmlns:mc="http://schemas.openxmlformats.org/markup-compatibility/2006" xmlns:a14="http://schemas.microsoft.com/office/drawing/2010/main">
+        <mc:Choice Requires="a14">
           <p:sp>
             <p:nvSpPr>
               <p:cNvPr id="5" name="TextBox 4">
@@ -21963,7 +21957,7 @@
             </p:txBody>
           </p:sp>
         </mc:Choice>
-        <mc:Fallback>
+        <mc:Fallback xmlns="">
           <p:sp>
             <p:nvSpPr>
               <p:cNvPr id="5" name="TextBox 4">
@@ -22008,8 +22002,8 @@
           </p:sp>
         </mc:Fallback>
       </mc:AlternateContent>
-      <mc:AlternateContent xmlns:mc="http://schemas.openxmlformats.org/markup-compatibility/2006">
-        <mc:Choice xmlns:a14="http://schemas.microsoft.com/office/drawing/2010/main" Requires="a14">
+      <mc:AlternateContent xmlns:mc="http://schemas.openxmlformats.org/markup-compatibility/2006" xmlns:a14="http://schemas.microsoft.com/office/drawing/2010/main">
+        <mc:Choice Requires="a14">
           <p:sp>
             <p:nvSpPr>
               <p:cNvPr id="7" name="TextBox 6">
@@ -22090,7 +22084,7 @@
             </p:txBody>
           </p:sp>
         </mc:Choice>
-        <mc:Fallback>
+        <mc:Fallback xmlns="">
           <p:sp>
             <p:nvSpPr>
               <p:cNvPr id="7" name="TextBox 6">
@@ -22135,8 +22129,8 @@
           </p:sp>
         </mc:Fallback>
       </mc:AlternateContent>
-      <mc:AlternateContent xmlns:mc="http://schemas.openxmlformats.org/markup-compatibility/2006">
-        <mc:Choice xmlns:a14="http://schemas.microsoft.com/office/drawing/2010/main" Requires="a14">
+      <mc:AlternateContent xmlns:mc="http://schemas.openxmlformats.org/markup-compatibility/2006" xmlns:a14="http://schemas.microsoft.com/office/drawing/2010/main">
+        <mc:Choice Requires="a14">
           <p:sp>
             <p:nvSpPr>
               <p:cNvPr id="9" name="TextBox 8">
@@ -22186,7 +22180,7 @@
             </p:txBody>
           </p:sp>
         </mc:Choice>
-        <mc:Fallback>
+        <mc:Fallback xmlns="">
           <p:sp>
             <p:nvSpPr>
               <p:cNvPr id="9" name="TextBox 8">
@@ -22231,8 +22225,8 @@
           </p:sp>
         </mc:Fallback>
       </mc:AlternateContent>
-      <mc:AlternateContent xmlns:mc="http://schemas.openxmlformats.org/markup-compatibility/2006">
-        <mc:Choice xmlns:a14="http://schemas.microsoft.com/office/drawing/2010/main" Requires="a14">
+      <mc:AlternateContent xmlns:mc="http://schemas.openxmlformats.org/markup-compatibility/2006" xmlns:a14="http://schemas.microsoft.com/office/drawing/2010/main">
+        <mc:Choice Requires="a14">
           <p:sp>
             <p:nvSpPr>
               <p:cNvPr id="13" name="TextBox 12">
@@ -22318,7 +22312,7 @@
             </p:txBody>
           </p:sp>
         </mc:Choice>
-        <mc:Fallback>
+        <mc:Fallback xmlns="">
           <p:sp>
             <p:nvSpPr>
               <p:cNvPr id="13" name="TextBox 12">
@@ -22363,8 +22357,8 @@
           </p:sp>
         </mc:Fallback>
       </mc:AlternateContent>
-      <mc:AlternateContent xmlns:mc="http://schemas.openxmlformats.org/markup-compatibility/2006">
-        <mc:Choice xmlns:a14="http://schemas.microsoft.com/office/drawing/2010/main" Requires="a14">
+      <mc:AlternateContent xmlns:mc="http://schemas.openxmlformats.org/markup-compatibility/2006" xmlns:a14="http://schemas.microsoft.com/office/drawing/2010/main">
+        <mc:Choice Requires="a14">
           <p:sp>
             <p:nvSpPr>
               <p:cNvPr id="14" name="TextBox 13">
@@ -22420,7 +22414,7 @@
             </p:txBody>
           </p:sp>
         </mc:Choice>
-        <mc:Fallback>
+        <mc:Fallback xmlns="">
           <p:sp>
             <p:nvSpPr>
               <p:cNvPr id="14" name="TextBox 13">
@@ -22465,8 +22459,8 @@
           </p:sp>
         </mc:Fallback>
       </mc:AlternateContent>
-      <mc:AlternateContent xmlns:mc="http://schemas.openxmlformats.org/markup-compatibility/2006">
-        <mc:Choice xmlns:a14="http://schemas.microsoft.com/office/drawing/2010/main" Requires="a14">
+      <mc:AlternateContent xmlns:mc="http://schemas.openxmlformats.org/markup-compatibility/2006" xmlns:a14="http://schemas.microsoft.com/office/drawing/2010/main">
+        <mc:Choice Requires="a14">
           <p:sp>
             <p:nvSpPr>
               <p:cNvPr id="15" name="TextBox 14">
@@ -22516,7 +22510,7 @@
             </p:txBody>
           </p:sp>
         </mc:Choice>
-        <mc:Fallback>
+        <mc:Fallback xmlns="">
           <p:sp>
             <p:nvSpPr>
               <p:cNvPr id="15" name="TextBox 14">
@@ -22561,8 +22555,8 @@
           </p:sp>
         </mc:Fallback>
       </mc:AlternateContent>
-      <mc:AlternateContent xmlns:mc="http://schemas.openxmlformats.org/markup-compatibility/2006">
-        <mc:Choice xmlns:a14="http://schemas.microsoft.com/office/drawing/2010/main" Requires="a14">
+      <mc:AlternateContent xmlns:mc="http://schemas.openxmlformats.org/markup-compatibility/2006" xmlns:a14="http://schemas.microsoft.com/office/drawing/2010/main">
+        <mc:Choice Requires="a14">
           <p:sp>
             <p:nvSpPr>
               <p:cNvPr id="16" name="TextBox 15">
@@ -22691,7 +22685,7 @@
             </p:txBody>
           </p:sp>
         </mc:Choice>
-        <mc:Fallback>
+        <mc:Fallback xmlns="">
           <p:sp>
             <p:nvSpPr>
               <p:cNvPr id="16" name="TextBox 15">
@@ -22736,8 +22730,8 @@
           </p:sp>
         </mc:Fallback>
       </mc:AlternateContent>
-      <mc:AlternateContent xmlns:mc="http://schemas.openxmlformats.org/markup-compatibility/2006">
-        <mc:Choice xmlns:a14="http://schemas.microsoft.com/office/drawing/2010/main" Requires="a14">
+      <mc:AlternateContent xmlns:mc="http://schemas.openxmlformats.org/markup-compatibility/2006" xmlns:a14="http://schemas.microsoft.com/office/drawing/2010/main">
+        <mc:Choice Requires="a14">
           <p:sp>
             <p:nvSpPr>
               <p:cNvPr id="17" name="TextBox 16">
@@ -22792,19 +22786,7 @@
                             <a:rPr lang="en-US" b="0" i="1" dirty="0" smtClean="0">
                               <a:latin typeface="Cambria Math" panose="02040503050406030204" pitchFamily="18" charset="0"/>
                             </a:rPr>
-                            <m:t>36</m:t>
-                          </m:r>
-                          <m:r>
-                            <a:rPr lang="en-US" b="0" i="1" dirty="0" smtClean="0">
-                              <a:latin typeface="Cambria Math" panose="02040503050406030204" pitchFamily="18" charset="0"/>
-                            </a:rPr>
-                            <m:t>,</m:t>
-                          </m:r>
-                          <m:r>
-                            <a:rPr lang="en-US" b="0" i="1" dirty="0" smtClean="0">
-                              <a:latin typeface="Cambria Math" panose="02040503050406030204" pitchFamily="18" charset="0"/>
-                            </a:rPr>
-                            <m:t>000</m:t>
+                            <m:t>36,000</m:t>
                           </m:r>
                         </m:num>
                         <m:den>
@@ -22824,7 +22806,7 @@
             </p:txBody>
           </p:sp>
         </mc:Choice>
-        <mc:Fallback>
+        <mc:Fallback xmlns="">
           <p:sp>
             <p:nvSpPr>
               <p:cNvPr id="17" name="TextBox 16">
@@ -22869,8 +22851,8 @@
           </p:sp>
         </mc:Fallback>
       </mc:AlternateContent>
-      <mc:AlternateContent xmlns:mc="http://schemas.openxmlformats.org/markup-compatibility/2006">
-        <mc:Choice xmlns:a14="http://schemas.microsoft.com/office/drawing/2010/main" Requires="a14">
+      <mc:AlternateContent xmlns:mc="http://schemas.openxmlformats.org/markup-compatibility/2006" xmlns:a14="http://schemas.microsoft.com/office/drawing/2010/main">
+        <mc:Choice Requires="a14">
           <p:sp>
             <p:nvSpPr>
               <p:cNvPr id="23" name="TextBox 22">
@@ -22920,7 +22902,7 @@
             </p:txBody>
           </p:sp>
         </mc:Choice>
-        <mc:Fallback>
+        <mc:Fallback xmlns="">
           <p:sp>
             <p:nvSpPr>
               <p:cNvPr id="23" name="TextBox 22">
@@ -24472,8 +24454,8 @@
           </p:txBody>
         </p:sp>
       </p:grpSp>
-      <mc:AlternateContent xmlns:mc="http://schemas.openxmlformats.org/markup-compatibility/2006">
-        <mc:Choice xmlns:a14="http://schemas.microsoft.com/office/drawing/2010/main" Requires="a14">
+      <mc:AlternateContent xmlns:mc="http://schemas.openxmlformats.org/markup-compatibility/2006" xmlns:a14="http://schemas.microsoft.com/office/drawing/2010/main">
+        <mc:Choice Requires="a14">
           <p:sp>
             <p:nvSpPr>
               <p:cNvPr id="5" name="TextBox 4">
@@ -24560,7 +24542,7 @@
             </p:txBody>
           </p:sp>
         </mc:Choice>
-        <mc:Fallback>
+        <mc:Fallback xmlns="">
           <p:sp>
             <p:nvSpPr>
               <p:cNvPr id="5" name="TextBox 4">
@@ -24605,8 +24587,8 @@
           </p:sp>
         </mc:Fallback>
       </mc:AlternateContent>
-      <mc:AlternateContent xmlns:mc="http://schemas.openxmlformats.org/markup-compatibility/2006">
-        <mc:Choice xmlns:a14="http://schemas.microsoft.com/office/drawing/2010/main" Requires="a14">
+      <mc:AlternateContent xmlns:mc="http://schemas.openxmlformats.org/markup-compatibility/2006" xmlns:a14="http://schemas.microsoft.com/office/drawing/2010/main">
+        <mc:Choice Requires="a14">
           <p:sp>
             <p:nvSpPr>
               <p:cNvPr id="7" name="TextBox 6">
@@ -24681,7 +24663,7 @@
             </p:txBody>
           </p:sp>
         </mc:Choice>
-        <mc:Fallback>
+        <mc:Fallback xmlns="">
           <p:sp>
             <p:nvSpPr>
               <p:cNvPr id="7" name="TextBox 6">
@@ -24726,8 +24708,8 @@
           </p:sp>
         </mc:Fallback>
       </mc:AlternateContent>
-      <mc:AlternateContent xmlns:mc="http://schemas.openxmlformats.org/markup-compatibility/2006">
-        <mc:Choice xmlns:a14="http://schemas.microsoft.com/office/drawing/2010/main" Requires="a14">
+      <mc:AlternateContent xmlns:mc="http://schemas.openxmlformats.org/markup-compatibility/2006" xmlns:a14="http://schemas.microsoft.com/office/drawing/2010/main">
+        <mc:Choice Requires="a14">
           <p:sp>
             <p:nvSpPr>
               <p:cNvPr id="9" name="TextBox 8">
@@ -24777,7 +24759,7 @@
             </p:txBody>
           </p:sp>
         </mc:Choice>
-        <mc:Fallback>
+        <mc:Fallback xmlns="">
           <p:sp>
             <p:nvSpPr>
               <p:cNvPr id="9" name="TextBox 8">
@@ -24852,8 +24834,8 @@
           </a:prstGeom>
         </p:spPr>
       </p:pic>
-      <mc:AlternateContent xmlns:mc="http://schemas.openxmlformats.org/markup-compatibility/2006">
-        <mc:Choice xmlns:a14="http://schemas.microsoft.com/office/drawing/2010/main" Requires="a14">
+      <mc:AlternateContent xmlns:mc="http://schemas.openxmlformats.org/markup-compatibility/2006" xmlns:a14="http://schemas.microsoft.com/office/drawing/2010/main">
+        <mc:Choice Requires="a14">
           <p:sp>
             <p:nvSpPr>
               <p:cNvPr id="8" name="TextBox 7">
@@ -24957,7 +24939,7 @@
             </p:txBody>
           </p:sp>
         </mc:Choice>
-        <mc:Fallback>
+        <mc:Fallback xmlns="">
           <p:sp>
             <p:nvSpPr>
               <p:cNvPr id="8" name="TextBox 7">
@@ -25002,8 +24984,8 @@
           </p:sp>
         </mc:Fallback>
       </mc:AlternateContent>
-      <mc:AlternateContent xmlns:mc="http://schemas.openxmlformats.org/markup-compatibility/2006">
-        <mc:Choice xmlns:a14="http://schemas.microsoft.com/office/drawing/2010/main" Requires="a14">
+      <mc:AlternateContent xmlns:mc="http://schemas.openxmlformats.org/markup-compatibility/2006" xmlns:a14="http://schemas.microsoft.com/office/drawing/2010/main">
+        <mc:Choice Requires="a14">
           <p:sp>
             <p:nvSpPr>
               <p:cNvPr id="10" name="TextBox 9">
@@ -25078,7 +25060,7 @@
             </p:txBody>
           </p:sp>
         </mc:Choice>
-        <mc:Fallback>
+        <mc:Fallback xmlns="">
           <p:sp>
             <p:nvSpPr>
               <p:cNvPr id="10" name="TextBox 9">
@@ -25123,8 +25105,8 @@
           </p:sp>
         </mc:Fallback>
       </mc:AlternateContent>
-      <mc:AlternateContent xmlns:mc="http://schemas.openxmlformats.org/markup-compatibility/2006">
-        <mc:Choice xmlns:a14="http://schemas.microsoft.com/office/drawing/2010/main" Requires="a14">
+      <mc:AlternateContent xmlns:mc="http://schemas.openxmlformats.org/markup-compatibility/2006" xmlns:a14="http://schemas.microsoft.com/office/drawing/2010/main">
+        <mc:Choice Requires="a14">
           <p:sp>
             <p:nvSpPr>
               <p:cNvPr id="11" name="TextBox 10">
@@ -25199,7 +25181,7 @@
             </p:txBody>
           </p:sp>
         </mc:Choice>
-        <mc:Fallback>
+        <mc:Fallback xmlns="">
           <p:sp>
             <p:nvSpPr>
               <p:cNvPr id="11" name="TextBox 10">
@@ -25244,8 +25226,8 @@
           </p:sp>
         </mc:Fallback>
       </mc:AlternateContent>
-      <mc:AlternateContent xmlns:mc="http://schemas.openxmlformats.org/markup-compatibility/2006">
-        <mc:Choice xmlns:a14="http://schemas.microsoft.com/office/drawing/2010/main" Requires="a14">
+      <mc:AlternateContent xmlns:mc="http://schemas.openxmlformats.org/markup-compatibility/2006" xmlns:a14="http://schemas.microsoft.com/office/drawing/2010/main">
+        <mc:Choice Requires="a14">
           <p:sp>
             <p:nvSpPr>
               <p:cNvPr id="12" name="TextBox 11">
@@ -25295,7 +25277,7 @@
             </p:txBody>
           </p:sp>
         </mc:Choice>
-        <mc:Fallback>
+        <mc:Fallback xmlns="">
           <p:sp>
             <p:nvSpPr>
               <p:cNvPr id="12" name="TextBox 11">
@@ -26747,8 +26729,8 @@
           </p:txBody>
         </p:sp>
       </p:grpSp>
-      <mc:AlternateContent xmlns:mc="http://schemas.openxmlformats.org/markup-compatibility/2006">
-        <mc:Choice xmlns:a14="http://schemas.microsoft.com/office/drawing/2010/main" Requires="a14">
+      <mc:AlternateContent xmlns:mc="http://schemas.openxmlformats.org/markup-compatibility/2006" xmlns:a14="http://schemas.microsoft.com/office/drawing/2010/main">
+        <mc:Choice Requires="a14">
           <p:sp>
             <p:nvSpPr>
               <p:cNvPr id="13" name="TextBox 12">
@@ -26834,7 +26816,7 @@
             </p:txBody>
           </p:sp>
         </mc:Choice>
-        <mc:Fallback>
+        <mc:Fallback xmlns="">
           <p:sp>
             <p:nvSpPr>
               <p:cNvPr id="13" name="TextBox 12">
@@ -26879,8 +26861,8 @@
           </p:sp>
         </mc:Fallback>
       </mc:AlternateContent>
-      <mc:AlternateContent xmlns:mc="http://schemas.openxmlformats.org/markup-compatibility/2006">
-        <mc:Choice xmlns:a14="http://schemas.microsoft.com/office/drawing/2010/main" Requires="a14">
+      <mc:AlternateContent xmlns:mc="http://schemas.openxmlformats.org/markup-compatibility/2006" xmlns:a14="http://schemas.microsoft.com/office/drawing/2010/main">
+        <mc:Choice Requires="a14">
           <p:sp>
             <p:nvSpPr>
               <p:cNvPr id="14" name="TextBox 13">
@@ -26926,31 +26908,7 @@
                         <a:rPr lang="en-US" b="0" i="1" dirty="0" smtClean="0">
                           <a:latin typeface="Cambria Math" panose="02040503050406030204" pitchFamily="18" charset="0"/>
                         </a:rPr>
-                        <m:t>28,700</m:t>
-                      </m:r>
-                      <m:r>
-                        <a:rPr lang="en-US" b="0" i="1" dirty="0" smtClean="0">
-                          <a:latin typeface="Cambria Math" panose="02040503050406030204" pitchFamily="18" charset="0"/>
-                        </a:rPr>
-                        <m:t>−</m:t>
-                      </m:r>
-                      <m:r>
-                        <a:rPr lang="en-US" b="0" i="1" dirty="0" smtClean="0">
-                          <a:latin typeface="Cambria Math" panose="02040503050406030204" pitchFamily="18" charset="0"/>
-                        </a:rPr>
-                        <m:t>(3</m:t>
-                      </m:r>
-                      <m:r>
-                        <a:rPr lang="en-US" b="0" i="1" dirty="0" smtClean="0">
-                          <a:latin typeface="Cambria Math" panose="02040503050406030204" pitchFamily="18" charset="0"/>
-                        </a:rPr>
-                        <m:t>,</m:t>
-                      </m:r>
-                      <m:r>
-                        <a:rPr lang="en-US" b="0" i="1" dirty="0" smtClean="0">
-                          <a:latin typeface="Cambria Math" panose="02040503050406030204" pitchFamily="18" charset="0"/>
-                        </a:rPr>
-                        <m:t>052+2,180)</m:t>
+                        <m:t>28,700−(3,052+2,180)</m:t>
                       </m:r>
                     </m:oMath>
                   </m:oMathPara>
@@ -26960,7 +26918,7 @@
             </p:txBody>
           </p:sp>
         </mc:Choice>
-        <mc:Fallback>
+        <mc:Fallback xmlns="">
           <p:sp>
             <p:nvSpPr>
               <p:cNvPr id="14" name="TextBox 13">
@@ -27005,8 +26963,8 @@
           </p:sp>
         </mc:Fallback>
       </mc:AlternateContent>
-      <mc:AlternateContent xmlns:mc="http://schemas.openxmlformats.org/markup-compatibility/2006">
-        <mc:Choice xmlns:a14="http://schemas.microsoft.com/office/drawing/2010/main" Requires="a14">
+      <mc:AlternateContent xmlns:mc="http://schemas.openxmlformats.org/markup-compatibility/2006" xmlns:a14="http://schemas.microsoft.com/office/drawing/2010/main">
+        <mc:Choice Requires="a14">
           <p:sp>
             <p:nvSpPr>
               <p:cNvPr id="15" name="TextBox 14">
@@ -27056,7 +27014,7 @@
             </p:txBody>
           </p:sp>
         </mc:Choice>
-        <mc:Fallback>
+        <mc:Fallback xmlns="">
           <p:sp>
             <p:nvSpPr>
               <p:cNvPr id="15" name="TextBox 14">
@@ -27101,8 +27059,8 @@
           </p:sp>
         </mc:Fallback>
       </mc:AlternateContent>
-      <mc:AlternateContent xmlns:mc="http://schemas.openxmlformats.org/markup-compatibility/2006">
-        <mc:Choice xmlns:a14="http://schemas.microsoft.com/office/drawing/2010/main" Requires="a14">
+      <mc:AlternateContent xmlns:mc="http://schemas.openxmlformats.org/markup-compatibility/2006" xmlns:a14="http://schemas.microsoft.com/office/drawing/2010/main">
+        <mc:Choice Requires="a14">
           <p:sp>
             <p:nvSpPr>
               <p:cNvPr id="16" name="TextBox 15">
@@ -27224,7 +27182,7 @@
             </p:txBody>
           </p:sp>
         </mc:Choice>
-        <mc:Fallback>
+        <mc:Fallback xmlns="">
           <p:sp>
             <p:nvSpPr>
               <p:cNvPr id="16" name="TextBox 15">
@@ -27269,8 +27227,8 @@
           </p:sp>
         </mc:Fallback>
       </mc:AlternateContent>
-      <mc:AlternateContent xmlns:mc="http://schemas.openxmlformats.org/markup-compatibility/2006">
-        <mc:Choice xmlns:a14="http://schemas.microsoft.com/office/drawing/2010/main" Requires="a14">
+      <mc:AlternateContent xmlns:mc="http://schemas.openxmlformats.org/markup-compatibility/2006" xmlns:a14="http://schemas.microsoft.com/office/drawing/2010/main">
+        <mc:Choice Requires="a14">
           <p:sp>
             <p:nvSpPr>
               <p:cNvPr id="17" name="TextBox 16">
@@ -27320,7 +27278,7 @@
             </p:txBody>
           </p:sp>
         </mc:Choice>
-        <mc:Fallback>
+        <mc:Fallback xmlns="">
           <p:sp>
             <p:nvSpPr>
               <p:cNvPr id="17" name="TextBox 16">
@@ -27365,8 +27323,8 @@
           </p:sp>
         </mc:Fallback>
       </mc:AlternateContent>
-      <mc:AlternateContent xmlns:mc="http://schemas.openxmlformats.org/markup-compatibility/2006">
-        <mc:Choice xmlns:a14="http://schemas.microsoft.com/office/drawing/2010/main" Requires="a14">
+      <mc:AlternateContent xmlns:mc="http://schemas.openxmlformats.org/markup-compatibility/2006" xmlns:a14="http://schemas.microsoft.com/office/drawing/2010/main">
+        <mc:Choice Requires="a14">
           <p:sp>
             <p:nvSpPr>
               <p:cNvPr id="23" name="TextBox 22">
@@ -27416,7 +27374,7 @@
             </p:txBody>
           </p:sp>
         </mc:Choice>
-        <mc:Fallback>
+        <mc:Fallback xmlns="">
           <p:sp>
             <p:nvSpPr>
               <p:cNvPr id="23" name="TextBox 22">
@@ -27499,8 +27457,8 @@
           </a:p>
         </p:txBody>
       </p:sp>
-      <mc:AlternateContent xmlns:mc="http://schemas.openxmlformats.org/markup-compatibility/2006">
-        <mc:Choice xmlns:a14="http://schemas.microsoft.com/office/drawing/2010/main" Requires="a14">
+      <mc:AlternateContent xmlns:mc="http://schemas.openxmlformats.org/markup-compatibility/2006" xmlns:a14="http://schemas.microsoft.com/office/drawing/2010/main">
+        <mc:Choice Requires="a14">
           <p:sp>
             <p:nvSpPr>
               <p:cNvPr id="4" name="TextBox 3">
@@ -27536,11 +27494,9 @@
                 </a:r>
               </a:p>
               <a:p>
-                <a:pPr/>
                 <a:endParaRPr lang="en-US" sz="1050" b="0" dirty="0"/>
               </a:p>
               <a:p>
-                <a:pPr/>
                 <a14:m>
                   <m:oMath xmlns:m="http://schemas.openxmlformats.org/officeDocument/2006/math">
                     <m:r>
@@ -27552,7 +27508,7 @@
                     <m:f>
                       <m:fPr>
                         <m:ctrlPr>
-                          <a:rPr lang="en-US" b="0" i="0" dirty="0" smtClean="0">
+                          <a:rPr lang="en-US" b="0" i="1" dirty="0" smtClean="0">
                             <a:latin typeface="Cambria Math" panose="02040503050406030204" pitchFamily="18" charset="0"/>
                           </a:rPr>
                         </m:ctrlPr>
@@ -27590,7 +27546,7 @@
             </p:txBody>
           </p:sp>
         </mc:Choice>
-        <mc:Fallback>
+        <mc:Fallback xmlns="">
           <p:sp>
             <p:nvSpPr>
               <p:cNvPr id="4" name="TextBox 3">
